--- a/ToDoProject/docs/Presentation.pptx
+++ b/ToDoProject/docs/Presentation.pptx
@@ -114,6 +114,11 @@
       </a:defRPr>
     </a:lvl9pPr>
   </p:defaultTextStyle>
+  <p:extLst>
+    <p:ext uri="{EFAFB233-063F-42B5-8137-9DF3F51BA10A}">
+      <p15:sldGuideLst xmlns:p15="http://schemas.microsoft.com/office/powerpoint/2012/main"/>
+    </p:ext>
+  </p:extLst>
 </p:presentation>
 </file>
 
@@ -266,7 +271,7 @@
           <a:p>
             <a:fld id="{2D68EE4B-320F-4EF2-9749-75B7D4F2873F}" type="datetimeFigureOut">
               <a:rPr lang="en-GB" smtClean="0"/>
-              <a:t>17/12/2020</a:t>
+              <a:t>18/12/2020</a:t>
             </a:fld>
             <a:endParaRPr lang="en-GB"/>
           </a:p>
@@ -466,7 +471,7 @@
           <a:p>
             <a:fld id="{2D68EE4B-320F-4EF2-9749-75B7D4F2873F}" type="datetimeFigureOut">
               <a:rPr lang="en-GB" smtClean="0"/>
-              <a:t>17/12/2020</a:t>
+              <a:t>18/12/2020</a:t>
             </a:fld>
             <a:endParaRPr lang="en-GB"/>
           </a:p>
@@ -676,7 +681,7 @@
           <a:p>
             <a:fld id="{2D68EE4B-320F-4EF2-9749-75B7D4F2873F}" type="datetimeFigureOut">
               <a:rPr lang="en-GB" smtClean="0"/>
-              <a:t>17/12/2020</a:t>
+              <a:t>18/12/2020</a:t>
             </a:fld>
             <a:endParaRPr lang="en-GB"/>
           </a:p>
@@ -876,7 +881,7 @@
           <a:p>
             <a:fld id="{2D68EE4B-320F-4EF2-9749-75B7D4F2873F}" type="datetimeFigureOut">
               <a:rPr lang="en-GB" smtClean="0"/>
-              <a:t>17/12/2020</a:t>
+              <a:t>18/12/2020</a:t>
             </a:fld>
             <a:endParaRPr lang="en-GB"/>
           </a:p>
@@ -1152,7 +1157,7 @@
           <a:p>
             <a:fld id="{2D68EE4B-320F-4EF2-9749-75B7D4F2873F}" type="datetimeFigureOut">
               <a:rPr lang="en-GB" smtClean="0"/>
-              <a:t>17/12/2020</a:t>
+              <a:t>18/12/2020</a:t>
             </a:fld>
             <a:endParaRPr lang="en-GB"/>
           </a:p>
@@ -1420,7 +1425,7 @@
           <a:p>
             <a:fld id="{2D68EE4B-320F-4EF2-9749-75B7D4F2873F}" type="datetimeFigureOut">
               <a:rPr lang="en-GB" smtClean="0"/>
-              <a:t>17/12/2020</a:t>
+              <a:t>18/12/2020</a:t>
             </a:fld>
             <a:endParaRPr lang="en-GB"/>
           </a:p>
@@ -1835,7 +1840,7 @@
           <a:p>
             <a:fld id="{2D68EE4B-320F-4EF2-9749-75B7D4F2873F}" type="datetimeFigureOut">
               <a:rPr lang="en-GB" smtClean="0"/>
-              <a:t>17/12/2020</a:t>
+              <a:t>18/12/2020</a:t>
             </a:fld>
             <a:endParaRPr lang="en-GB"/>
           </a:p>
@@ -1977,7 +1982,7 @@
           <a:p>
             <a:fld id="{2D68EE4B-320F-4EF2-9749-75B7D4F2873F}" type="datetimeFigureOut">
               <a:rPr lang="en-GB" smtClean="0"/>
-              <a:t>17/12/2020</a:t>
+              <a:t>18/12/2020</a:t>
             </a:fld>
             <a:endParaRPr lang="en-GB"/>
           </a:p>
@@ -2090,7 +2095,7 @@
           <a:p>
             <a:fld id="{2D68EE4B-320F-4EF2-9749-75B7D4F2873F}" type="datetimeFigureOut">
               <a:rPr lang="en-GB" smtClean="0"/>
-              <a:t>17/12/2020</a:t>
+              <a:t>18/12/2020</a:t>
             </a:fld>
             <a:endParaRPr lang="en-GB"/>
           </a:p>
@@ -2403,7 +2408,7 @@
           <a:p>
             <a:fld id="{2D68EE4B-320F-4EF2-9749-75B7D4F2873F}" type="datetimeFigureOut">
               <a:rPr lang="en-GB" smtClean="0"/>
-              <a:t>17/12/2020</a:t>
+              <a:t>18/12/2020</a:t>
             </a:fld>
             <a:endParaRPr lang="en-GB"/>
           </a:p>
@@ -2692,7 +2697,7 @@
           <a:p>
             <a:fld id="{2D68EE4B-320F-4EF2-9749-75B7D4F2873F}" type="datetimeFigureOut">
               <a:rPr lang="en-GB" smtClean="0"/>
-              <a:t>17/12/2020</a:t>
+              <a:t>18/12/2020</a:t>
             </a:fld>
             <a:endParaRPr lang="en-GB"/>
           </a:p>
@@ -2935,7 +2940,7 @@
           <a:p>
             <a:fld id="{2D68EE4B-320F-4EF2-9749-75B7D4F2873F}" type="datetimeFigureOut">
               <a:rPr lang="en-GB" smtClean="0"/>
-              <a:t>17/12/2020</a:t>
+              <a:t>18/12/2020</a:t>
             </a:fld>
             <a:endParaRPr lang="en-GB"/>
           </a:p>
@@ -7426,10 +7431,10 @@
       </p:sp>
       <p:pic>
         <p:nvPicPr>
-          <p:cNvPr id="5" name="Content Placeholder 4" descr="Graphical user interface, text&#10;&#10;Description automatically generated">
-            <a:extLst>
-              <a:ext uri="{FF2B5EF4-FFF2-40B4-BE49-F238E27FC236}">
-                <a16:creationId xmlns:a16="http://schemas.microsoft.com/office/drawing/2014/main" id="{07528C28-244C-40FA-A193-AD126D61B474}"/>
+          <p:cNvPr id="7" name="Content Placeholder 6" descr="Graphical user interface, application&#10;&#10;Description automatically generated">
+            <a:extLst>
+              <a:ext uri="{FF2B5EF4-FFF2-40B4-BE49-F238E27FC236}">
+                <a16:creationId xmlns:a16="http://schemas.microsoft.com/office/drawing/2014/main" id="{1386073F-AC1D-465F-A6B5-D0B122B972AA}"/>
               </a:ext>
             </a:extLst>
           </p:cNvPr>
@@ -7454,8 +7459,8 @@
         </p:blipFill>
         <p:spPr>
           <a:xfrm>
-            <a:off x="1846164" y="1825625"/>
-            <a:ext cx="8499672" cy="4351338"/>
+            <a:off x="1930935" y="1825625"/>
+            <a:ext cx="8330129" cy="4351338"/>
           </a:xfrm>
         </p:spPr>
       </p:pic>
